--- a/presentatie/ecolord_presentation.pptx
+++ b/presentatie/ecolord_presentation.pptx
@@ -13,11 +13,12 @@
     <p:sldId id="261" r:id="rId7"/>
     <p:sldId id="262" r:id="rId8"/>
     <p:sldId id="263" r:id="rId9"/>
-    <p:sldId id="264" r:id="rId10"/>
-    <p:sldId id="265" r:id="rId11"/>
-    <p:sldId id="266" r:id="rId12"/>
-    <p:sldId id="267" r:id="rId13"/>
-    <p:sldId id="268" r:id="rId14"/>
+    <p:sldId id="269" r:id="rId10"/>
+    <p:sldId id="266" r:id="rId11"/>
+    <p:sldId id="267" r:id="rId12"/>
+    <p:sldId id="268" r:id="rId13"/>
+    <p:sldId id="264" r:id="rId14"/>
+    <p:sldId id="265" r:id="rId15"/>
   </p:sldIdLst>
   <p:sldSz cx="9144000" cy="6858000" type="screen4x3"/>
   <p:notesSz cx="6858000" cy="9144000"/>
@@ -3206,7 +3207,7 @@
       </p:grpSpPr>
       <p:pic>
         <p:nvPicPr>
-          <p:cNvPr id="4" name="Picture 3" descr="background.jpg"/>
+          <p:cNvPr id="5" name="Picture 4" descr="background.jpg"/>
           <p:cNvPicPr>
             <a:picLocks noChangeAspect="1"/>
           </p:cNvPicPr>
@@ -3234,9 +3235,179 @@
           </a:prstGeom>
         </p:spPr>
       </p:pic>
+      <p:sp>
+        <p:nvSpPr>
+          <p:cNvPr id="6" name="TextBox 5"/>
+          <p:cNvSpPr txBox="1"/>
+          <p:nvPr/>
+        </p:nvSpPr>
+        <p:spPr>
+          <a:xfrm>
+            <a:off x="2451100" y="520700"/>
+            <a:ext cx="4254500" cy="707886"/>
+          </a:xfrm>
+          <a:prstGeom prst="rect">
+            <a:avLst/>
+          </a:prstGeom>
+          <a:noFill/>
+        </p:spPr>
+        <p:txBody>
+          <a:bodyPr wrap="square" rtlCol="0">
+            <a:spAutoFit/>
+          </a:bodyPr>
+          <a:lstStyle/>
+          <a:p>
+            <a:pPr algn="ctr"/>
+            <a:r>
+              <a:rPr lang="en-US" sz="4000" dirty="0" err="1" smtClean="0">
+                <a:solidFill>
+                  <a:schemeClr val="tx2">
+                    <a:lumMod val="75000"/>
+                  </a:schemeClr>
+                </a:solidFill>
+              </a:rPr>
+              <a:t>Wat</a:t>
+            </a:r>
+            <a:r>
+              <a:rPr lang="en-US" sz="4000" dirty="0" smtClean="0">
+                <a:solidFill>
+                  <a:schemeClr val="tx2">
+                    <a:lumMod val="75000"/>
+                  </a:schemeClr>
+                </a:solidFill>
+              </a:rPr>
+              <a:t> </a:t>
+            </a:r>
+            <a:r>
+              <a:rPr lang="en-US" sz="4000" dirty="0" err="1" smtClean="0">
+                <a:solidFill>
+                  <a:schemeClr val="tx2">
+                    <a:lumMod val="75000"/>
+                  </a:schemeClr>
+                </a:solidFill>
+              </a:rPr>
+              <a:t>weten</a:t>
+            </a:r>
+            <a:r>
+              <a:rPr lang="en-US" sz="4000" dirty="0" smtClean="0">
+                <a:solidFill>
+                  <a:schemeClr val="tx2">
+                    <a:lumMod val="75000"/>
+                  </a:schemeClr>
+                </a:solidFill>
+              </a:rPr>
+              <a:t> we</a:t>
+            </a:r>
+            <a:endParaRPr lang="en-US" sz="4000" dirty="0">
+              <a:solidFill>
+                <a:schemeClr val="tx2">
+                  <a:lumMod val="75000"/>
+                </a:schemeClr>
+              </a:solidFill>
+            </a:endParaRPr>
+          </a:p>
+        </p:txBody>
+      </p:sp>
+      <p:sp>
+        <p:nvSpPr>
+          <p:cNvPr id="7" name="TextBox 6"/>
+          <p:cNvSpPr txBox="1"/>
+          <p:nvPr/>
+        </p:nvSpPr>
+        <p:spPr>
+          <a:xfrm>
+            <a:off x="2806700" y="2120900"/>
+            <a:ext cx="6489700" cy="461665"/>
+          </a:xfrm>
+          <a:prstGeom prst="rect">
+            <a:avLst/>
+          </a:prstGeom>
+        </p:spPr>
+        <p:txBody>
+          <a:bodyPr wrap="square" rtlCol="0">
+            <a:spAutoFit/>
+          </a:bodyPr>
+          <a:lstStyle/>
+          <a:p>
+            <a:r>
+              <a:rPr lang="en-US" sz="2400" dirty="0" err="1" smtClean="0"/>
+              <a:t>Verbruik</a:t>
+            </a:r>
+            <a:endParaRPr lang="en-US" sz="2400" dirty="0"/>
+          </a:p>
+        </p:txBody>
+      </p:sp>
+      <p:sp>
+        <p:nvSpPr>
+          <p:cNvPr id="8" name="TextBox 7"/>
+          <p:cNvSpPr txBox="1"/>
+          <p:nvPr/>
+        </p:nvSpPr>
+        <p:spPr>
+          <a:xfrm>
+            <a:off x="2806700" y="2971800"/>
+            <a:ext cx="6489700" cy="461665"/>
+          </a:xfrm>
+          <a:prstGeom prst="rect">
+            <a:avLst/>
+          </a:prstGeom>
+          <a:noFill/>
+        </p:spPr>
+        <p:txBody>
+          <a:bodyPr wrap="square" rtlCol="0">
+            <a:spAutoFit/>
+          </a:bodyPr>
+          <a:lstStyle/>
+          <a:p>
+            <a:r>
+              <a:rPr lang="en-US" sz="2400" dirty="0" err="1" smtClean="0"/>
+              <a:t>Productie</a:t>
+            </a:r>
+            <a:endParaRPr lang="en-US" sz="2400" dirty="0"/>
+          </a:p>
+        </p:txBody>
+      </p:sp>
+      <p:sp>
+        <p:nvSpPr>
+          <p:cNvPr id="9" name="TextBox 8"/>
+          <p:cNvSpPr txBox="1"/>
+          <p:nvPr/>
+        </p:nvSpPr>
+        <p:spPr>
+          <a:xfrm>
+            <a:off x="2806700" y="4506267"/>
+            <a:ext cx="6489700" cy="461665"/>
+          </a:xfrm>
+          <a:prstGeom prst="rect">
+            <a:avLst/>
+          </a:prstGeom>
+          <a:noFill/>
+        </p:spPr>
+        <p:txBody>
+          <a:bodyPr wrap="square" rtlCol="0">
+            <a:spAutoFit/>
+          </a:bodyPr>
+          <a:lstStyle/>
+          <a:p>
+            <a:r>
+              <a:rPr lang="en-US" sz="2400" dirty="0" err="1" smtClean="0"/>
+              <a:t>Abonnement</a:t>
+            </a:r>
+            <a:r>
+              <a:rPr lang="en-US" sz="2400" dirty="0" smtClean="0"/>
+              <a:t> / </a:t>
+            </a:r>
+            <a:r>
+              <a:rPr lang="en-US" sz="2400" dirty="0" err="1" smtClean="0"/>
+              <a:t>tariefplan</a:t>
+            </a:r>
+            <a:endParaRPr lang="en-US" sz="2400" dirty="0"/>
+          </a:p>
+        </p:txBody>
+      </p:sp>
       <p:pic>
         <p:nvPicPr>
-          <p:cNvPr id="5" name="Picture 4" descr="house.png"/>
+          <p:cNvPr id="10" name="Picture 9" descr="arrow_blue.png"/>
           <p:cNvPicPr>
             <a:picLocks noChangeAspect="1"/>
           </p:cNvPicPr>
@@ -3256,8 +3427,128 @@
         </p:blipFill>
         <p:spPr>
           <a:xfrm>
-            <a:off x="0" y="926610"/>
-            <a:ext cx="9144000" cy="4877290"/>
+            <a:off x="1955800" y="2133600"/>
+            <a:ext cx="508000" cy="508000"/>
+          </a:xfrm>
+          <a:prstGeom prst="rect">
+            <a:avLst/>
+          </a:prstGeom>
+        </p:spPr>
+      </p:pic>
+      <p:pic>
+        <p:nvPicPr>
+          <p:cNvPr id="11" name="Picture 10" descr="arrow_blue.png"/>
+          <p:cNvPicPr>
+            <a:picLocks noChangeAspect="1"/>
+          </p:cNvPicPr>
+          <p:nvPr/>
+        </p:nvPicPr>
+        <p:blipFill>
+          <a:blip r:embed="rId3">
+            <a:extLst>
+              <a:ext uri="{28A0092B-C50C-407E-A947-70E740481C1C}">
+                <a14:useLocalDpi xmlns:a14="http://schemas.microsoft.com/office/drawing/2010/main" val="0"/>
+              </a:ext>
+            </a:extLst>
+          </a:blip>
+          <a:stretch>
+            <a:fillRect/>
+          </a:stretch>
+        </p:blipFill>
+        <p:spPr>
+          <a:xfrm>
+            <a:off x="1955800" y="2984500"/>
+            <a:ext cx="508000" cy="508000"/>
+          </a:xfrm>
+          <a:prstGeom prst="rect">
+            <a:avLst/>
+          </a:prstGeom>
+        </p:spPr>
+      </p:pic>
+      <p:pic>
+        <p:nvPicPr>
+          <p:cNvPr id="12" name="Picture 11" descr="arrow_blue.png"/>
+          <p:cNvPicPr>
+            <a:picLocks noChangeAspect="1"/>
+          </p:cNvPicPr>
+          <p:nvPr/>
+        </p:nvPicPr>
+        <p:blipFill>
+          <a:blip r:embed="rId3">
+            <a:extLst>
+              <a:ext uri="{28A0092B-C50C-407E-A947-70E740481C1C}">
+                <a14:useLocalDpi xmlns:a14="http://schemas.microsoft.com/office/drawing/2010/main" val="0"/>
+              </a:ext>
+            </a:extLst>
+          </a:blip>
+          <a:stretch>
+            <a:fillRect/>
+          </a:stretch>
+        </p:blipFill>
+        <p:spPr>
+          <a:xfrm>
+            <a:off x="1955800" y="4531667"/>
+            <a:ext cx="508000" cy="508000"/>
+          </a:xfrm>
+          <a:prstGeom prst="rect">
+            <a:avLst/>
+          </a:prstGeom>
+        </p:spPr>
+      </p:pic>
+      <p:sp>
+        <p:nvSpPr>
+          <p:cNvPr id="13" name="TextBox 12"/>
+          <p:cNvSpPr txBox="1"/>
+          <p:nvPr/>
+        </p:nvSpPr>
+        <p:spPr>
+          <a:xfrm>
+            <a:off x="2806700" y="3784600"/>
+            <a:ext cx="6489700" cy="461665"/>
+          </a:xfrm>
+          <a:prstGeom prst="rect">
+            <a:avLst/>
+          </a:prstGeom>
+          <a:noFill/>
+        </p:spPr>
+        <p:txBody>
+          <a:bodyPr wrap="square" rtlCol="0">
+            <a:spAutoFit/>
+          </a:bodyPr>
+          <a:lstStyle/>
+          <a:p>
+            <a:r>
+              <a:rPr lang="en-US" sz="2400" dirty="0" err="1" smtClean="0"/>
+              <a:t>Woonplaats</a:t>
+            </a:r>
+            <a:endParaRPr lang="en-US" sz="2400" dirty="0"/>
+          </a:p>
+        </p:txBody>
+      </p:sp>
+      <p:pic>
+        <p:nvPicPr>
+          <p:cNvPr id="14" name="Picture 13" descr="arrow_blue.png"/>
+          <p:cNvPicPr>
+            <a:picLocks noChangeAspect="1"/>
+          </p:cNvPicPr>
+          <p:nvPr/>
+        </p:nvPicPr>
+        <p:blipFill>
+          <a:blip r:embed="rId3">
+            <a:extLst>
+              <a:ext uri="{28A0092B-C50C-407E-A947-70E740481C1C}">
+                <a14:useLocalDpi xmlns:a14="http://schemas.microsoft.com/office/drawing/2010/main" val="0"/>
+              </a:ext>
+            </a:extLst>
+          </a:blip>
+          <a:stretch>
+            <a:fillRect/>
+          </a:stretch>
+        </p:blipFill>
+        <p:spPr>
+          <a:xfrm>
+            <a:off x="1955800" y="3810000"/>
+            <a:ext cx="508000" cy="508000"/>
           </a:xfrm>
           <a:prstGeom prst="rect">
             <a:avLst/>
@@ -3267,13 +3558,20 @@
     </p:spTree>
     <p:extLst>
       <p:ext uri="{BB962C8B-B14F-4D97-AF65-F5344CB8AC3E}">
-        <p14:creationId xmlns:p14="http://schemas.microsoft.com/office/powerpoint/2010/main" val="1608769421"/>
+        <p14:creationId xmlns:p14="http://schemas.microsoft.com/office/powerpoint/2010/main" val="4036960486"/>
       </p:ext>
     </p:extLst>
   </p:cSld>
   <p:clrMapOvr>
     <a:masterClrMapping/>
   </p:clrMapOvr>
+  <p:timing>
+    <p:tnLst>
+      <p:par>
+        <p:cTn xmlns:p14="http://schemas.microsoft.com/office/powerpoint/2010/main" id="1" dur="indefinite" restart="never" nodeType="tmRoot"/>
+      </p:par>
+    </p:tnLst>
+  </p:timing>
 </p:sld>
 </file>
 
@@ -3296,7 +3594,7 @@
       </p:grpSpPr>
       <p:pic>
         <p:nvPicPr>
-          <p:cNvPr id="5" name="Picture 4" descr="background.jpg"/>
+          <p:cNvPr id="4" name="Picture 3" descr="background.jpg"/>
           <p:cNvPicPr>
             <a:picLocks noChangeAspect="1"/>
           </p:cNvPicPr>
@@ -3326,14 +3624,14 @@
       </p:pic>
       <p:sp>
         <p:nvSpPr>
-          <p:cNvPr id="6" name="TextBox 5"/>
+          <p:cNvPr id="5" name="TextBox 4"/>
           <p:cNvSpPr txBox="1"/>
           <p:nvPr/>
         </p:nvSpPr>
         <p:spPr>
           <a:xfrm>
-            <a:off x="2451100" y="520700"/>
-            <a:ext cx="4254500" cy="707886"/>
+            <a:off x="1625600" y="520700"/>
+            <a:ext cx="5905500" cy="707886"/>
           </a:xfrm>
           <a:prstGeom prst="rect">
             <a:avLst/>
@@ -3375,7 +3673,7 @@
                   </a:schemeClr>
                 </a:solidFill>
               </a:rPr>
-              <a:t>weten</a:t>
+              <a:t>kunnen</a:t>
             </a:r>
             <a:r>
               <a:rPr lang="en-US" sz="4000" dirty="0" smtClean="0">
@@ -3385,7 +3683,17 @@
                   </a:schemeClr>
                 </a:solidFill>
               </a:rPr>
-              <a:t> we</a:t>
+              <a:t> we </a:t>
+            </a:r>
+            <a:r>
+              <a:rPr lang="en-US" sz="4000" dirty="0" err="1" smtClean="0">
+                <a:solidFill>
+                  <a:schemeClr val="tx2">
+                    <a:lumMod val="75000"/>
+                  </a:schemeClr>
+                </a:solidFill>
+              </a:rPr>
+              <a:t>afleiden</a:t>
             </a:r>
             <a:endParaRPr lang="en-US" sz="4000" dirty="0">
               <a:solidFill>
@@ -3399,7 +3707,7 @@
       </p:sp>
       <p:sp>
         <p:nvSpPr>
-          <p:cNvPr id="7" name="TextBox 6"/>
+          <p:cNvPr id="6" name="TextBox 5"/>
           <p:cNvSpPr txBox="1"/>
           <p:nvPr/>
         </p:nvSpPr>
@@ -3420,7 +3728,11 @@
           <a:p>
             <a:r>
               <a:rPr lang="en-US" sz="2400" dirty="0" err="1" smtClean="0"/>
-              <a:t>Verbruik</a:t>
+              <a:t>Rijk</a:t>
+            </a:r>
+            <a:r>
+              <a:rPr lang="en-US" sz="2400" dirty="0" smtClean="0"/>
+              <a:t> / arm (index)</a:t>
             </a:r>
             <a:endParaRPr lang="en-US" sz="2400" dirty="0"/>
           </a:p>
@@ -3428,7 +3740,7 @@
       </p:sp>
       <p:sp>
         <p:nvSpPr>
-          <p:cNvPr id="8" name="TextBox 7"/>
+          <p:cNvPr id="7" name="TextBox 6"/>
           <p:cNvSpPr txBox="1"/>
           <p:nvPr/>
         </p:nvSpPr>
@@ -3450,7 +3762,19 @@
           <a:p>
             <a:r>
               <a:rPr lang="en-US" sz="2400" dirty="0" err="1" smtClean="0"/>
-              <a:t>Productie</a:t>
+              <a:t>Sociale</a:t>
+            </a:r>
+            <a:r>
+              <a:rPr lang="en-US" sz="2400" dirty="0" smtClean="0"/>
+              <a:t> context (</a:t>
+            </a:r>
+            <a:r>
+              <a:rPr lang="en-US" sz="2400" dirty="0" err="1" smtClean="0"/>
+              <a:t>regio</a:t>
+            </a:r>
+            <a:r>
+              <a:rPr lang="en-US" sz="2400" dirty="0" smtClean="0"/>
+              <a:t>)</a:t>
             </a:r>
             <a:endParaRPr lang="en-US" sz="2400" dirty="0"/>
           </a:p>
@@ -3458,7 +3782,7 @@
       </p:sp>
       <p:sp>
         <p:nvSpPr>
-          <p:cNvPr id="9" name="TextBox 8"/>
+          <p:cNvPr id="8" name="TextBox 7"/>
           <p:cNvSpPr txBox="1"/>
           <p:nvPr/>
         </p:nvSpPr>
@@ -3479,16 +3803,8 @@
           <a:lstStyle/>
           <a:p>
             <a:r>
-              <a:rPr lang="en-US" sz="2400" dirty="0" err="1" smtClean="0"/>
-              <a:t>Abonnement</a:t>
-            </a:r>
-            <a:r>
               <a:rPr lang="en-US" sz="2400" dirty="0" smtClean="0"/>
-              <a:t> / </a:t>
-            </a:r>
-            <a:r>
-              <a:rPr lang="en-US" sz="2400" dirty="0" err="1" smtClean="0"/>
-              <a:t>tariefplan</a:t>
+              <a:t>?</a:t>
             </a:r>
             <a:endParaRPr lang="en-US" sz="2400" dirty="0"/>
           </a:p>
@@ -3496,7 +3812,7 @@
       </p:sp>
       <p:pic>
         <p:nvPicPr>
-          <p:cNvPr id="10" name="Picture 9" descr="arrow_blue.png"/>
+          <p:cNvPr id="9" name="Picture 8" descr="arrow_blue.png"/>
           <p:cNvPicPr>
             <a:picLocks noChangeAspect="1"/>
           </p:cNvPicPr>
@@ -3526,7 +3842,7 @@
       </p:pic>
       <p:pic>
         <p:nvPicPr>
-          <p:cNvPr id="11" name="Picture 10" descr="arrow_blue.png"/>
+          <p:cNvPr id="10" name="Picture 9" descr="arrow_blue.png"/>
           <p:cNvPicPr>
             <a:picLocks noChangeAspect="1"/>
           </p:cNvPicPr>
@@ -3556,7 +3872,7 @@
       </p:pic>
       <p:pic>
         <p:nvPicPr>
-          <p:cNvPr id="12" name="Picture 11" descr="arrow_blue.png"/>
+          <p:cNvPr id="11" name="Picture 10" descr="arrow_blue.png"/>
           <p:cNvPicPr>
             <a:picLocks noChangeAspect="1"/>
           </p:cNvPicPr>
@@ -3586,7 +3902,7 @@
       </p:pic>
       <p:sp>
         <p:nvSpPr>
-          <p:cNvPr id="13" name="TextBox 12"/>
+          <p:cNvPr id="12" name="TextBox 11"/>
           <p:cNvSpPr txBox="1"/>
           <p:nvPr/>
         </p:nvSpPr>
@@ -3607,8 +3923,8 @@
           <a:lstStyle/>
           <a:p>
             <a:r>
-              <a:rPr lang="en-US" sz="2400" dirty="0" err="1" smtClean="0"/>
-              <a:t>Woonplaats</a:t>
+              <a:rPr lang="en-US" sz="2400" dirty="0" smtClean="0"/>
+              <a:t>?</a:t>
             </a:r>
             <a:endParaRPr lang="en-US" sz="2400" dirty="0"/>
           </a:p>
@@ -3616,7 +3932,7 @@
       </p:sp>
       <p:pic>
         <p:nvPicPr>
-          <p:cNvPr id="14" name="Picture 13" descr="arrow_blue.png"/>
+          <p:cNvPr id="13" name="Picture 12" descr="arrow_blue.png"/>
           <p:cNvPicPr>
             <a:picLocks noChangeAspect="1"/>
           </p:cNvPicPr>
@@ -3644,16 +3960,111 @@
           </a:prstGeom>
         </p:spPr>
       </p:pic>
+      <p:pic>
+        <p:nvPicPr>
+          <p:cNvPr id="16" name="Picture 15" descr="arrow_blue.png"/>
+          <p:cNvPicPr>
+            <a:picLocks noChangeAspect="1"/>
+          </p:cNvPicPr>
+          <p:nvPr/>
+        </p:nvPicPr>
+        <p:blipFill>
+          <a:blip r:embed="rId3">
+            <a:extLst>
+              <a:ext uri="{28A0092B-C50C-407E-A947-70E740481C1C}">
+                <a14:useLocalDpi xmlns:a14="http://schemas.microsoft.com/office/drawing/2010/main" val="0"/>
+              </a:ext>
+            </a:extLst>
+          </a:blip>
+          <a:stretch>
+            <a:fillRect/>
+          </a:stretch>
+        </p:blipFill>
+        <p:spPr>
+          <a:xfrm>
+            <a:off x="3568700" y="4076700"/>
+            <a:ext cx="508000" cy="508000"/>
+          </a:xfrm>
+          <a:prstGeom prst="rect">
+            <a:avLst/>
+          </a:prstGeom>
+        </p:spPr>
+      </p:pic>
+      <p:sp>
+        <p:nvSpPr>
+          <p:cNvPr id="17" name="TextBox 16"/>
+          <p:cNvSpPr txBox="1"/>
+          <p:nvPr/>
+        </p:nvSpPr>
+        <p:spPr>
+          <a:xfrm>
+            <a:off x="4337050" y="4076700"/>
+            <a:ext cx="6489700" cy="461665"/>
+          </a:xfrm>
+          <a:prstGeom prst="rect">
+            <a:avLst/>
+          </a:prstGeom>
+          <a:noFill/>
+        </p:spPr>
+        <p:txBody>
+          <a:bodyPr wrap="square" rtlCol="0">
+            <a:spAutoFit/>
+          </a:bodyPr>
+          <a:lstStyle/>
+          <a:p>
+            <a:r>
+              <a:rPr lang="en-US" sz="2400" dirty="0" err="1" smtClean="0"/>
+              <a:t>Af</a:t>
+            </a:r>
+            <a:r>
+              <a:rPr lang="en-US" sz="2400" dirty="0" smtClean="0"/>
+              <a:t> </a:t>
+            </a:r>
+            <a:r>
+              <a:rPr lang="en-US" sz="2400" dirty="0" err="1" smtClean="0"/>
+              <a:t>te</a:t>
+            </a:r>
+            <a:r>
+              <a:rPr lang="en-US" sz="2400" dirty="0" smtClean="0"/>
+              <a:t> </a:t>
+            </a:r>
+            <a:r>
+              <a:rPr lang="en-US" sz="2400" dirty="0" err="1" smtClean="0"/>
+              <a:t>leiden</a:t>
+            </a:r>
+            <a:r>
+              <a:rPr lang="en-US" sz="2400" dirty="0" smtClean="0"/>
+              <a:t> </a:t>
+            </a:r>
+            <a:r>
+              <a:rPr lang="en-US" sz="2400" dirty="0" err="1" smtClean="0"/>
+              <a:t>uit</a:t>
+            </a:r>
+            <a:r>
+              <a:rPr lang="en-US" sz="2400" dirty="0" smtClean="0"/>
+              <a:t> game</a:t>
+            </a:r>
+            <a:endParaRPr lang="en-US" sz="2400" dirty="0"/>
+          </a:p>
+        </p:txBody>
+      </p:sp>
     </p:spTree>
     <p:extLst>
       <p:ext uri="{BB962C8B-B14F-4D97-AF65-F5344CB8AC3E}">
-        <p14:creationId xmlns:p14="http://schemas.microsoft.com/office/powerpoint/2010/main" val="4036960486"/>
+        <p14:creationId xmlns:p14="http://schemas.microsoft.com/office/powerpoint/2010/main" val="3092079476"/>
       </p:ext>
     </p:extLst>
   </p:cSld>
   <p:clrMapOvr>
     <a:masterClrMapping/>
   </p:clrMapOvr>
+  <p:timing>
+    <p:tnLst>
+      <p:par>
+        <p:cTn xmlns:p14="http://schemas.microsoft.com/office/powerpoint/2010/main" id="1" dur="indefinite" restart="never" nodeType="tmRoot"/>
+      </p:par>
+    </p:tnLst>
+  </p:timing>
 </p:sld>
 </file>
 
@@ -3676,7 +4087,7 @@
       </p:grpSpPr>
       <p:pic>
         <p:nvPicPr>
-          <p:cNvPr id="4" name="Picture 3" descr="background.jpg"/>
+          <p:cNvPr id="22" name="Picture 21" descr="background.jpg"/>
           <p:cNvPicPr>
             <a:picLocks noChangeAspect="1"/>
           </p:cNvPicPr>
@@ -3706,7 +4117,7 @@
       </p:pic>
       <p:sp>
         <p:nvSpPr>
-          <p:cNvPr id="5" name="TextBox 4"/>
+          <p:cNvPr id="13" name="TextBox 12"/>
           <p:cNvSpPr txBox="1"/>
           <p:nvPr/>
         </p:nvSpPr>
@@ -3735,47 +4146,7 @@
                   </a:schemeClr>
                 </a:solidFill>
               </a:rPr>
-              <a:t>Wat</a:t>
-            </a:r>
-            <a:r>
-              <a:rPr lang="en-US" sz="4000" dirty="0" smtClean="0">
-                <a:solidFill>
-                  <a:schemeClr val="tx2">
-                    <a:lumMod val="75000"/>
-                  </a:schemeClr>
-                </a:solidFill>
-              </a:rPr>
-              <a:t> </a:t>
-            </a:r>
-            <a:r>
-              <a:rPr lang="en-US" sz="4000" dirty="0" err="1" smtClean="0">
-                <a:solidFill>
-                  <a:schemeClr val="tx2">
-                    <a:lumMod val="75000"/>
-                  </a:schemeClr>
-                </a:solidFill>
-              </a:rPr>
-              <a:t>kunnen</a:t>
-            </a:r>
-            <a:r>
-              <a:rPr lang="en-US" sz="4000" dirty="0" smtClean="0">
-                <a:solidFill>
-                  <a:schemeClr val="tx2">
-                    <a:lumMod val="75000"/>
-                  </a:schemeClr>
-                </a:solidFill>
-              </a:rPr>
-              <a:t> we </a:t>
-            </a:r>
-            <a:r>
-              <a:rPr lang="en-US" sz="4000" dirty="0" err="1" smtClean="0">
-                <a:solidFill>
-                  <a:schemeClr val="tx2">
-                    <a:lumMod val="75000"/>
-                  </a:schemeClr>
-                </a:solidFill>
-              </a:rPr>
-              <a:t>afleiden</a:t>
+              <a:t>Eindresultaat</a:t>
             </a:r>
             <a:endParaRPr lang="en-US" sz="4000" dirty="0">
               <a:solidFill>
@@ -3789,13 +4160,13 @@
       </p:sp>
       <p:sp>
         <p:nvSpPr>
-          <p:cNvPr id="6" name="TextBox 5"/>
+          <p:cNvPr id="14" name="TextBox 13"/>
           <p:cNvSpPr txBox="1"/>
           <p:nvPr/>
         </p:nvSpPr>
         <p:spPr>
           <a:xfrm>
-            <a:off x="2806700" y="2120900"/>
+            <a:off x="2806700" y="2510135"/>
             <a:ext cx="6489700" cy="461665"/>
           </a:xfrm>
           <a:prstGeom prst="rect">
@@ -3810,11 +4181,15 @@
           <a:p>
             <a:r>
               <a:rPr lang="en-US" sz="2400" dirty="0" err="1" smtClean="0"/>
-              <a:t>Rijk</a:t>
+              <a:t>Relevantere</a:t>
             </a:r>
             <a:r>
               <a:rPr lang="en-US" sz="2400" dirty="0" smtClean="0"/>
-              <a:t> / arm (index)</a:t>
+              <a:t> in-game </a:t>
+            </a:r>
+            <a:r>
+              <a:rPr lang="en-US" sz="2400" dirty="0" err="1" smtClean="0"/>
+              <a:t>opdrachten</a:t>
             </a:r>
             <a:endParaRPr lang="en-US" sz="2400" dirty="0"/>
           </a:p>
@@ -3822,13 +4197,13 @@
       </p:sp>
       <p:sp>
         <p:nvSpPr>
-          <p:cNvPr id="7" name="TextBox 6"/>
+          <p:cNvPr id="15" name="TextBox 14"/>
           <p:cNvSpPr txBox="1"/>
           <p:nvPr/>
         </p:nvSpPr>
         <p:spPr>
           <a:xfrm>
-            <a:off x="2806700" y="2971800"/>
+            <a:off x="2806700" y="3361035"/>
             <a:ext cx="6489700" cy="461665"/>
           </a:xfrm>
           <a:prstGeom prst="rect">
@@ -3844,49 +4219,23 @@
           <a:p>
             <a:r>
               <a:rPr lang="en-US" sz="2400" dirty="0" err="1" smtClean="0"/>
-              <a:t>Sociale</a:t>
+              <a:t>Relevantere</a:t>
             </a:r>
             <a:r>
               <a:rPr lang="en-US" sz="2400" dirty="0" smtClean="0"/>
-              <a:t> context (</a:t>
+              <a:t> </a:t>
             </a:r>
             <a:r>
               <a:rPr lang="en-US" sz="2400" dirty="0" err="1" smtClean="0"/>
-              <a:t>regio</a:t>
+              <a:t>kortingen</a:t>
             </a:r>
             <a:r>
               <a:rPr lang="en-US" sz="2400" dirty="0" smtClean="0"/>
-              <a:t>)</a:t>
-            </a:r>
-            <a:endParaRPr lang="en-US" sz="2400" dirty="0"/>
-          </a:p>
-        </p:txBody>
-      </p:sp>
-      <p:sp>
-        <p:nvSpPr>
-          <p:cNvPr id="8" name="TextBox 7"/>
-          <p:cNvSpPr txBox="1"/>
-          <p:nvPr/>
-        </p:nvSpPr>
-        <p:spPr>
-          <a:xfrm>
-            <a:off x="2806700" y="4506267"/>
-            <a:ext cx="6489700" cy="461665"/>
-          </a:xfrm>
-          <a:prstGeom prst="rect">
-            <a:avLst/>
-          </a:prstGeom>
-          <a:noFill/>
-        </p:spPr>
-        <p:txBody>
-          <a:bodyPr wrap="square" rtlCol="0">
-            <a:spAutoFit/>
-          </a:bodyPr>
-          <a:lstStyle/>
-          <a:p>
-            <a:r>
-              <a:rPr lang="en-US" sz="2400" dirty="0" smtClean="0"/>
-              <a:t>?</a:t>
+              <a:t>/</a:t>
+            </a:r>
+            <a:r>
+              <a:rPr lang="en-US" sz="2400" dirty="0" err="1" smtClean="0"/>
+              <a:t>producten</a:t>
             </a:r>
             <a:endParaRPr lang="en-US" sz="2400" dirty="0"/>
           </a:p>
@@ -3894,7 +4243,7 @@
       </p:sp>
       <p:pic>
         <p:nvPicPr>
-          <p:cNvPr id="9" name="Picture 8" descr="arrow_blue.png"/>
+          <p:cNvPr id="17" name="Picture 16" descr="arrow_blue.png"/>
           <p:cNvPicPr>
             <a:picLocks noChangeAspect="1"/>
           </p:cNvPicPr>
@@ -3914,7 +4263,7 @@
         </p:blipFill>
         <p:spPr>
           <a:xfrm>
-            <a:off x="1955800" y="2133600"/>
+            <a:off x="1955800" y="2522835"/>
             <a:ext cx="508000" cy="508000"/>
           </a:xfrm>
           <a:prstGeom prst="rect">
@@ -3924,7 +4273,7 @@
       </p:pic>
       <p:pic>
         <p:nvPicPr>
-          <p:cNvPr id="10" name="Picture 9" descr="arrow_blue.png"/>
+          <p:cNvPr id="18" name="Picture 17" descr="arrow_blue.png"/>
           <p:cNvPicPr>
             <a:picLocks noChangeAspect="1"/>
           </p:cNvPicPr>
@@ -3944,7 +4293,7 @@
         </p:blipFill>
         <p:spPr>
           <a:xfrm>
-            <a:off x="1955800" y="2984500"/>
+            <a:off x="1955800" y="3373735"/>
             <a:ext cx="508000" cy="508000"/>
           </a:xfrm>
           <a:prstGeom prst="rect">
@@ -3952,9 +4301,43 @@
           </a:prstGeom>
         </p:spPr>
       </p:pic>
+      <p:sp>
+        <p:nvSpPr>
+          <p:cNvPr id="20" name="TextBox 19"/>
+          <p:cNvSpPr txBox="1"/>
+          <p:nvPr/>
+        </p:nvSpPr>
+        <p:spPr>
+          <a:xfrm>
+            <a:off x="2806700" y="4173835"/>
+            <a:ext cx="6489700" cy="461665"/>
+          </a:xfrm>
+          <a:prstGeom prst="rect">
+            <a:avLst/>
+          </a:prstGeom>
+          <a:noFill/>
+        </p:spPr>
+        <p:txBody>
+          <a:bodyPr wrap="square" rtlCol="0">
+            <a:spAutoFit/>
+          </a:bodyPr>
+          <a:lstStyle/>
+          <a:p>
+            <a:r>
+              <a:rPr lang="en-US" sz="2400" dirty="0" smtClean="0"/>
+              <a:t>Meer </a:t>
+            </a:r>
+            <a:r>
+              <a:rPr lang="en-US" sz="2400" dirty="0" err="1" smtClean="0"/>
+              <a:t>winst</a:t>
+            </a:r>
+            <a:endParaRPr lang="en-US" sz="2400" dirty="0"/>
+          </a:p>
+        </p:txBody>
+      </p:sp>
       <p:pic>
         <p:nvPicPr>
-          <p:cNvPr id="11" name="Picture 10" descr="arrow_blue.png"/>
+          <p:cNvPr id="21" name="Picture 20" descr="arrow_blue.png"/>
           <p:cNvPicPr>
             <a:picLocks noChangeAspect="1"/>
           </p:cNvPicPr>
@@ -3974,7 +4357,7 @@
         </p:blipFill>
         <p:spPr>
           <a:xfrm>
-            <a:off x="1955800" y="4531667"/>
+            <a:off x="1955800" y="4199235"/>
             <a:ext cx="508000" cy="508000"/>
           </a:xfrm>
           <a:prstGeom prst="rect">
@@ -3984,13 +4367,13 @@
       </p:pic>
       <p:sp>
         <p:nvSpPr>
-          <p:cNvPr id="12" name="TextBox 11"/>
+          <p:cNvPr id="10" name="TextBox 9"/>
           <p:cNvSpPr txBox="1"/>
           <p:nvPr/>
         </p:nvSpPr>
         <p:spPr>
           <a:xfrm>
-            <a:off x="2806700" y="3784600"/>
+            <a:off x="2806700" y="4973935"/>
             <a:ext cx="6489700" cy="461665"/>
           </a:xfrm>
           <a:prstGeom prst="rect">
@@ -4005,8 +4388,12 @@
           <a:lstStyle/>
           <a:p>
             <a:r>
+              <a:rPr lang="en-US" sz="2400" dirty="0" err="1" smtClean="0"/>
+              <a:t>Integratie</a:t>
+            </a:r>
+            <a:r>
               <a:rPr lang="en-US" sz="2400" dirty="0" smtClean="0"/>
-              <a:t>?</a:t>
+              <a:t> smart meter?</a:t>
             </a:r>
             <a:endParaRPr lang="en-US" sz="2400" dirty="0"/>
           </a:p>
@@ -4014,7 +4401,7 @@
       </p:sp>
       <p:pic>
         <p:nvPicPr>
-          <p:cNvPr id="13" name="Picture 12" descr="arrow_blue.png"/>
+          <p:cNvPr id="11" name="Picture 10" descr="arrow_blue.png"/>
           <p:cNvPicPr>
             <a:picLocks noChangeAspect="1"/>
           </p:cNvPicPr>
@@ -4034,7 +4421,7 @@
         </p:blipFill>
         <p:spPr>
           <a:xfrm>
-            <a:off x="1955800" y="3810000"/>
+            <a:off x="1955800" y="4999335"/>
             <a:ext cx="508000" cy="508000"/>
           </a:xfrm>
           <a:prstGeom prst="rect">
@@ -4042,104 +4429,23 @@
           </a:prstGeom>
         </p:spPr>
       </p:pic>
-      <p:pic>
-        <p:nvPicPr>
-          <p:cNvPr id="16" name="Picture 15" descr="arrow_blue.png"/>
-          <p:cNvPicPr>
-            <a:picLocks noChangeAspect="1"/>
-          </p:cNvPicPr>
-          <p:nvPr/>
-        </p:nvPicPr>
-        <p:blipFill>
-          <a:blip r:embed="rId3">
-            <a:extLst>
-              <a:ext uri="{28A0092B-C50C-407E-A947-70E740481C1C}">
-                <a14:useLocalDpi xmlns:a14="http://schemas.microsoft.com/office/drawing/2010/main" val="0"/>
-              </a:ext>
-            </a:extLst>
-          </a:blip>
-          <a:stretch>
-            <a:fillRect/>
-          </a:stretch>
-        </p:blipFill>
-        <p:spPr>
-          <a:xfrm>
-            <a:off x="3568700" y="4076700"/>
-            <a:ext cx="508000" cy="508000"/>
-          </a:xfrm>
-          <a:prstGeom prst="rect">
-            <a:avLst/>
-          </a:prstGeom>
-        </p:spPr>
-      </p:pic>
-      <p:sp>
-        <p:nvSpPr>
-          <p:cNvPr id="17" name="TextBox 16"/>
-          <p:cNvSpPr txBox="1"/>
-          <p:nvPr/>
-        </p:nvSpPr>
-        <p:spPr>
-          <a:xfrm>
-            <a:off x="4337050" y="4076700"/>
-            <a:ext cx="6489700" cy="461665"/>
-          </a:xfrm>
-          <a:prstGeom prst="rect">
-            <a:avLst/>
-          </a:prstGeom>
-          <a:noFill/>
-        </p:spPr>
-        <p:txBody>
-          <a:bodyPr wrap="square" rtlCol="0">
-            <a:spAutoFit/>
-          </a:bodyPr>
-          <a:lstStyle/>
-          <a:p>
-            <a:r>
-              <a:rPr lang="en-US" sz="2400" dirty="0" err="1" smtClean="0"/>
-              <a:t>Af</a:t>
-            </a:r>
-            <a:r>
-              <a:rPr lang="en-US" sz="2400" dirty="0" smtClean="0"/>
-              <a:t> </a:t>
-            </a:r>
-            <a:r>
-              <a:rPr lang="en-US" sz="2400" dirty="0" err="1" smtClean="0"/>
-              <a:t>te</a:t>
-            </a:r>
-            <a:r>
-              <a:rPr lang="en-US" sz="2400" dirty="0" smtClean="0"/>
-              <a:t> </a:t>
-            </a:r>
-            <a:r>
-              <a:rPr lang="en-US" sz="2400" dirty="0" err="1" smtClean="0"/>
-              <a:t>leiden</a:t>
-            </a:r>
-            <a:r>
-              <a:rPr lang="en-US" sz="2400" dirty="0" smtClean="0"/>
-              <a:t> </a:t>
-            </a:r>
-            <a:r>
-              <a:rPr lang="en-US" sz="2400" dirty="0" err="1" smtClean="0"/>
-              <a:t>uit</a:t>
-            </a:r>
-            <a:r>
-              <a:rPr lang="en-US" sz="2400" dirty="0" smtClean="0"/>
-              <a:t> game</a:t>
-            </a:r>
-            <a:endParaRPr lang="en-US" sz="2400" dirty="0"/>
-          </a:p>
-        </p:txBody>
-      </p:sp>
     </p:spTree>
     <p:extLst>
       <p:ext uri="{BB962C8B-B14F-4D97-AF65-F5344CB8AC3E}">
-        <p14:creationId xmlns:p14="http://schemas.microsoft.com/office/powerpoint/2010/main" val="3092079476"/>
+        <p14:creationId xmlns:p14="http://schemas.microsoft.com/office/powerpoint/2010/main" val="2320558465"/>
       </p:ext>
     </p:extLst>
   </p:cSld>
   <p:clrMapOvr>
     <a:masterClrMapping/>
   </p:clrMapOvr>
+  <p:timing>
+    <p:tnLst>
+      <p:par>
+        <p:cTn xmlns:p14="http://schemas.microsoft.com/office/powerpoint/2010/main" id="1" dur="indefinite" restart="never" nodeType="tmRoot"/>
+      </p:par>
+    </p:tnLst>
+  </p:timing>
 </p:sld>
 </file>
 
@@ -4160,9 +4466,47 @@
           <a:chExt cx="0" cy="0"/>
         </a:xfrm>
       </p:grpSpPr>
+      <p:sp>
+        <p:nvSpPr>
+          <p:cNvPr id="2" name="Title 1"/>
+          <p:cNvSpPr>
+            <a:spLocks noGrp="1"/>
+          </p:cNvSpPr>
+          <p:nvPr>
+            <p:ph type="title"/>
+          </p:nvPr>
+        </p:nvSpPr>
+        <p:spPr/>
+        <p:txBody>
+          <a:bodyPr/>
+          <a:lstStyle/>
+          <a:p>
+            <a:endParaRPr lang="en-US"/>
+          </a:p>
+        </p:txBody>
+      </p:sp>
+      <p:sp>
+        <p:nvSpPr>
+          <p:cNvPr id="3" name="Content Placeholder 2"/>
+          <p:cNvSpPr>
+            <a:spLocks noGrp="1"/>
+          </p:cNvSpPr>
+          <p:nvPr>
+            <p:ph idx="1"/>
+          </p:nvPr>
+        </p:nvSpPr>
+        <p:spPr/>
+        <p:txBody>
+          <a:bodyPr/>
+          <a:lstStyle/>
+          <a:p>
+            <a:endParaRPr lang="en-US"/>
+          </a:p>
+        </p:txBody>
+      </p:sp>
       <p:pic>
         <p:nvPicPr>
-          <p:cNvPr id="22" name="Picture 21" descr="background.jpg"/>
+          <p:cNvPr id="4" name="Picture 3" descr="background.jpg"/>
           <p:cNvPicPr>
             <a:picLocks noChangeAspect="1"/>
           </p:cNvPicPr>
@@ -4192,14 +4536,14 @@
       </p:pic>
       <p:sp>
         <p:nvSpPr>
-          <p:cNvPr id="13" name="TextBox 12"/>
+          <p:cNvPr id="5" name="TextBox 4"/>
           <p:cNvSpPr txBox="1"/>
           <p:nvPr/>
         </p:nvSpPr>
         <p:spPr>
           <a:xfrm>
-            <a:off x="1625600" y="520700"/>
-            <a:ext cx="5905500" cy="707886"/>
+            <a:off x="2451100" y="2744857"/>
+            <a:ext cx="4254500" cy="707886"/>
           </a:xfrm>
           <a:prstGeom prst="rect">
             <a:avLst/>
@@ -4221,7 +4565,7 @@
                   </a:schemeClr>
                 </a:solidFill>
               </a:rPr>
-              <a:t>Eindresultaat</a:t>
+              <a:t>Vragen</a:t>
             </a:r>
             <a:endParaRPr lang="en-US" sz="4000" dirty="0">
               <a:solidFill>
@@ -4233,92 +4577,76 @@
           </a:p>
         </p:txBody>
       </p:sp>
-      <p:sp>
-        <p:nvSpPr>
-          <p:cNvPr id="14" name="TextBox 13"/>
-          <p:cNvSpPr txBox="1"/>
-          <p:nvPr/>
-        </p:nvSpPr>
-        <p:spPr>
-          <a:xfrm>
-            <a:off x="2806700" y="2510135"/>
-            <a:ext cx="6489700" cy="461665"/>
-          </a:xfrm>
-          <a:prstGeom prst="rect">
-            <a:avLst/>
-          </a:prstGeom>
-        </p:spPr>
-        <p:txBody>
-          <a:bodyPr wrap="square" rtlCol="0">
-            <a:spAutoFit/>
-          </a:bodyPr>
-          <a:lstStyle/>
-          <a:p>
-            <a:r>
-              <a:rPr lang="en-US" sz="2400" dirty="0" err="1" smtClean="0"/>
-              <a:t>Relevantere</a:t>
-            </a:r>
-            <a:r>
-              <a:rPr lang="en-US" sz="2400" dirty="0" smtClean="0"/>
-              <a:t> in-game </a:t>
-            </a:r>
-            <a:r>
-              <a:rPr lang="en-US" sz="2400" dirty="0" err="1" smtClean="0"/>
-              <a:t>opdrachten</a:t>
-            </a:r>
-            <a:endParaRPr lang="en-US" sz="2400" dirty="0"/>
-          </a:p>
-        </p:txBody>
-      </p:sp>
-      <p:sp>
-        <p:nvSpPr>
-          <p:cNvPr id="15" name="TextBox 14"/>
-          <p:cNvSpPr txBox="1"/>
-          <p:nvPr/>
-        </p:nvSpPr>
-        <p:spPr>
-          <a:xfrm>
-            <a:off x="2806700" y="3361035"/>
-            <a:ext cx="6489700" cy="461665"/>
-          </a:xfrm>
-          <a:prstGeom prst="rect">
-            <a:avLst/>
-          </a:prstGeom>
-          <a:noFill/>
-        </p:spPr>
-        <p:txBody>
-          <a:bodyPr wrap="square" rtlCol="0">
-            <a:spAutoFit/>
-          </a:bodyPr>
-          <a:lstStyle/>
-          <a:p>
-            <a:r>
-              <a:rPr lang="en-US" sz="2400" dirty="0" err="1" smtClean="0"/>
-              <a:t>Relevantere</a:t>
-            </a:r>
-            <a:r>
-              <a:rPr lang="en-US" sz="2400" dirty="0" smtClean="0"/>
-              <a:t> </a:t>
-            </a:r>
-            <a:r>
-              <a:rPr lang="en-US" sz="2400" dirty="0" err="1" smtClean="0"/>
-              <a:t>kortingen</a:t>
-            </a:r>
-            <a:r>
-              <a:rPr lang="en-US" sz="2400" dirty="0" smtClean="0"/>
-              <a:t>/</a:t>
-            </a:r>
-            <a:r>
-              <a:rPr lang="en-US" sz="2400" dirty="0" err="1" smtClean="0"/>
-              <a:t>producten</a:t>
-            </a:r>
-            <a:endParaRPr lang="en-US" sz="2400" dirty="0"/>
-          </a:p>
-        </p:txBody>
-      </p:sp>
+    </p:spTree>
+    <p:extLst>
+      <p:ext uri="{BB962C8B-B14F-4D97-AF65-F5344CB8AC3E}">
+        <p14:creationId xmlns:p14="http://schemas.microsoft.com/office/powerpoint/2010/main" val="959634849"/>
+      </p:ext>
+    </p:extLst>
+  </p:cSld>
+  <p:clrMapOvr>
+    <a:masterClrMapping/>
+  </p:clrMapOvr>
+  <p:timing>
+    <p:tnLst>
+      <p:par>
+        <p:cTn xmlns:p14="http://schemas.microsoft.com/office/powerpoint/2010/main" id="1" dur="indefinite" restart="never" nodeType="tmRoot"/>
+      </p:par>
+    </p:tnLst>
+  </p:timing>
+</p:sld>
+</file>
+
+<file path=ppt/slides/slide14.xml><?xml version="1.0" encoding="utf-8"?>
+<p:sld xmlns:a="http://schemas.openxmlformats.org/drawingml/2006/main" xmlns:r="http://schemas.openxmlformats.org/officeDocument/2006/relationships" xmlns:p="http://schemas.openxmlformats.org/presentationml/2006/main">
+  <p:cSld>
+    <p:spTree>
+      <p:nvGrpSpPr>
+        <p:cNvPr id="1" name=""/>
+        <p:cNvGrpSpPr/>
+        <p:nvPr/>
+      </p:nvGrpSpPr>
+      <p:grpSpPr>
+        <a:xfrm>
+          <a:off x="0" y="0"/>
+          <a:ext cx="0" cy="0"/>
+          <a:chOff x="0" y="0"/>
+          <a:chExt cx="0" cy="0"/>
+        </a:xfrm>
+      </p:grpSpPr>
       <p:pic>
         <p:nvPicPr>
-          <p:cNvPr id="17" name="Picture 16" descr="arrow_blue.png"/>
+          <p:cNvPr id="4" name="Picture 3" descr="background.jpg"/>
+          <p:cNvPicPr>
+            <a:picLocks noChangeAspect="1"/>
+          </p:cNvPicPr>
+          <p:nvPr/>
+        </p:nvPicPr>
+        <p:blipFill>
+          <a:blip r:embed="rId2">
+            <a:extLst>
+              <a:ext uri="{28A0092B-C50C-407E-A947-70E740481C1C}">
+                <a14:useLocalDpi xmlns:a14="http://schemas.microsoft.com/office/drawing/2010/main" val="0"/>
+              </a:ext>
+            </a:extLst>
+          </a:blip>
+          <a:stretch>
+            <a:fillRect/>
+          </a:stretch>
+        </p:blipFill>
+        <p:spPr>
+          <a:xfrm>
+            <a:off x="0" y="0"/>
+            <a:ext cx="9144000" cy="6858000"/>
+          </a:xfrm>
+          <a:prstGeom prst="rect">
+            <a:avLst/>
+          </a:prstGeom>
+        </p:spPr>
+      </p:pic>
+      <p:pic>
+        <p:nvPicPr>
+          <p:cNvPr id="5" name="Picture 4" descr="house.png"/>
           <p:cNvPicPr>
             <a:picLocks noChangeAspect="1"/>
           </p:cNvPicPr>
@@ -4338,102 +4666,8 @@
         </p:blipFill>
         <p:spPr>
           <a:xfrm>
-            <a:off x="1955800" y="2522835"/>
-            <a:ext cx="508000" cy="508000"/>
-          </a:xfrm>
-          <a:prstGeom prst="rect">
-            <a:avLst/>
-          </a:prstGeom>
-        </p:spPr>
-      </p:pic>
-      <p:pic>
-        <p:nvPicPr>
-          <p:cNvPr id="18" name="Picture 17" descr="arrow_blue.png"/>
-          <p:cNvPicPr>
-            <a:picLocks noChangeAspect="1"/>
-          </p:cNvPicPr>
-          <p:nvPr/>
-        </p:nvPicPr>
-        <p:blipFill>
-          <a:blip r:embed="rId3">
-            <a:extLst>
-              <a:ext uri="{28A0092B-C50C-407E-A947-70E740481C1C}">
-                <a14:useLocalDpi xmlns:a14="http://schemas.microsoft.com/office/drawing/2010/main" val="0"/>
-              </a:ext>
-            </a:extLst>
-          </a:blip>
-          <a:stretch>
-            <a:fillRect/>
-          </a:stretch>
-        </p:blipFill>
-        <p:spPr>
-          <a:xfrm>
-            <a:off x="1955800" y="3373735"/>
-            <a:ext cx="508000" cy="508000"/>
-          </a:xfrm>
-          <a:prstGeom prst="rect">
-            <a:avLst/>
-          </a:prstGeom>
-        </p:spPr>
-      </p:pic>
-      <p:sp>
-        <p:nvSpPr>
-          <p:cNvPr id="20" name="TextBox 19"/>
-          <p:cNvSpPr txBox="1"/>
-          <p:nvPr/>
-        </p:nvSpPr>
-        <p:spPr>
-          <a:xfrm>
-            <a:off x="2806700" y="4173835"/>
-            <a:ext cx="6489700" cy="461665"/>
-          </a:xfrm>
-          <a:prstGeom prst="rect">
-            <a:avLst/>
-          </a:prstGeom>
-          <a:noFill/>
-        </p:spPr>
-        <p:txBody>
-          <a:bodyPr wrap="square" rtlCol="0">
-            <a:spAutoFit/>
-          </a:bodyPr>
-          <a:lstStyle/>
-          <a:p>
-            <a:r>
-              <a:rPr lang="en-US" sz="2400" dirty="0" smtClean="0"/>
-              <a:t>Meer </a:t>
-            </a:r>
-            <a:r>
-              <a:rPr lang="en-US" sz="2400" dirty="0" err="1" smtClean="0"/>
-              <a:t>winst</a:t>
-            </a:r>
-            <a:endParaRPr lang="en-US" sz="2400" dirty="0"/>
-          </a:p>
-        </p:txBody>
-      </p:sp>
-      <p:pic>
-        <p:nvPicPr>
-          <p:cNvPr id="21" name="Picture 20" descr="arrow_blue.png"/>
-          <p:cNvPicPr>
-            <a:picLocks noChangeAspect="1"/>
-          </p:cNvPicPr>
-          <p:nvPr/>
-        </p:nvPicPr>
-        <p:blipFill>
-          <a:blip r:embed="rId3">
-            <a:extLst>
-              <a:ext uri="{28A0092B-C50C-407E-A947-70E740481C1C}">
-                <a14:useLocalDpi xmlns:a14="http://schemas.microsoft.com/office/drawing/2010/main" val="0"/>
-              </a:ext>
-            </a:extLst>
-          </a:blip>
-          <a:stretch>
-            <a:fillRect/>
-          </a:stretch>
-        </p:blipFill>
-        <p:spPr>
-          <a:xfrm>
-            <a:off x="1955800" y="4199235"/>
-            <a:ext cx="508000" cy="508000"/>
+            <a:off x="0" y="926610"/>
+            <a:ext cx="9144000" cy="4877290"/>
           </a:xfrm>
           <a:prstGeom prst="rect">
             <a:avLst/>
@@ -4443,7 +4677,7 @@
     </p:spTree>
     <p:extLst>
       <p:ext uri="{BB962C8B-B14F-4D97-AF65-F5344CB8AC3E}">
-        <p14:creationId xmlns:p14="http://schemas.microsoft.com/office/powerpoint/2010/main" val="2320558465"/>
+        <p14:creationId xmlns:p14="http://schemas.microsoft.com/office/powerpoint/2010/main" val="1608769421"/>
       </p:ext>
     </p:extLst>
   </p:cSld>
@@ -5058,6 +5292,13 @@
   <p:clrMapOvr>
     <a:masterClrMapping/>
   </p:clrMapOvr>
+  <p:timing>
+    <p:tnLst>
+      <p:par>
+        <p:cTn xmlns:p14="http://schemas.microsoft.com/office/powerpoint/2010/main" id="1" dur="indefinite" restart="never" nodeType="tmRoot"/>
+      </p:par>
+    </p:tnLst>
+  </p:timing>
 </p:sld>
 </file>
 
@@ -5159,7 +5400,7 @@
         </p:nvSpPr>
         <p:spPr>
           <a:xfrm>
-            <a:off x="2806700" y="2120900"/>
+            <a:off x="1955800" y="2120900"/>
             <a:ext cx="6489700" cy="461665"/>
           </a:xfrm>
           <a:prstGeom prst="rect">
@@ -5204,7 +5445,7 @@
         </p:nvSpPr>
         <p:spPr>
           <a:xfrm>
-            <a:off x="2806700" y="2971800"/>
+            <a:off x="1955800" y="2971800"/>
             <a:ext cx="6489700" cy="461665"/>
           </a:xfrm>
           <a:prstGeom prst="rect">
@@ -5266,7 +5507,7 @@
         </p:nvSpPr>
         <p:spPr>
           <a:xfrm>
-            <a:off x="2806700" y="3860800"/>
+            <a:off x="1955800" y="3860800"/>
             <a:ext cx="6489700" cy="461665"/>
           </a:xfrm>
           <a:prstGeom prst="rect">
@@ -5282,7 +5523,7 @@
           <a:p>
             <a:r>
               <a:rPr lang="en-US" sz="2400" dirty="0" err="1" smtClean="0"/>
-              <a:t>Leverancier</a:t>
+              <a:t>Energieleveranciers</a:t>
             </a:r>
             <a:r>
               <a:rPr lang="en-US" sz="2400" dirty="0" smtClean="0"/>
@@ -5290,7 +5531,7 @@
             </a:r>
             <a:r>
               <a:rPr lang="en-US" sz="2400" dirty="0" err="1" smtClean="0"/>
-              <a:t>wil</a:t>
+              <a:t>willen</a:t>
             </a:r>
             <a:r>
               <a:rPr lang="en-US" sz="2400" dirty="0" smtClean="0"/>
@@ -5334,7 +5575,7 @@
         </p:blipFill>
         <p:spPr>
           <a:xfrm>
-            <a:off x="1955800" y="2133600"/>
+            <a:off x="1104900" y="2133600"/>
             <a:ext cx="508000" cy="508000"/>
           </a:xfrm>
           <a:prstGeom prst="rect">
@@ -5364,7 +5605,7 @@
         </p:blipFill>
         <p:spPr>
           <a:xfrm>
-            <a:off x="1955800" y="2984500"/>
+            <a:off x="1104900" y="2984500"/>
             <a:ext cx="508000" cy="508000"/>
           </a:xfrm>
           <a:prstGeom prst="rect">
@@ -5394,7 +5635,7 @@
         </p:blipFill>
         <p:spPr>
           <a:xfrm>
-            <a:off x="1955800" y="3949700"/>
+            <a:off x="1104900" y="3860800"/>
             <a:ext cx="508000" cy="508000"/>
           </a:xfrm>
           <a:prstGeom prst="rect">
@@ -5412,6 +5653,13 @@
   <p:clrMapOvr>
     <a:masterClrMapping/>
   </p:clrMapOvr>
+  <p:timing>
+    <p:tnLst>
+      <p:par>
+        <p:cTn xmlns:p14="http://schemas.microsoft.com/office/powerpoint/2010/main" id="1" dur="indefinite" restart="never" nodeType="tmRoot"/>
+      </p:par>
+    </p:tnLst>
+  </p:timing>
 </p:sld>
 </file>
 
@@ -5568,6 +5816,13 @@
   <p:clrMapOvr>
     <a:masterClrMapping/>
   </p:clrMapOvr>
+  <p:timing>
+    <p:tnLst>
+      <p:par>
+        <p:cTn xmlns:p14="http://schemas.microsoft.com/office/powerpoint/2010/main" id="1" dur="indefinite" restart="never" nodeType="tmRoot"/>
+      </p:par>
+    </p:tnLst>
+  </p:timing>
 </p:sld>
 </file>
 
@@ -5942,6 +6197,13 @@
   <p:clrMapOvr>
     <a:masterClrMapping/>
   </p:clrMapOvr>
+  <p:timing>
+    <p:tnLst>
+      <p:par>
+        <p:cTn xmlns:p14="http://schemas.microsoft.com/office/powerpoint/2010/main" id="1" dur="indefinite" restart="never" nodeType="tmRoot"/>
+      </p:par>
+    </p:tnLst>
+  </p:timing>
 </p:sld>
 </file>
 
@@ -6075,6 +6337,13 @@
   <p:clrMapOvr>
     <a:masterClrMapping/>
   </p:clrMapOvr>
+  <p:timing>
+    <p:tnLst>
+      <p:par>
+        <p:cTn xmlns:p14="http://schemas.microsoft.com/office/powerpoint/2010/main" id="1" dur="indefinite" restart="never" nodeType="tmRoot"/>
+      </p:par>
+    </p:tnLst>
+  </p:timing>
 </p:sld>
 </file>
 
@@ -6357,6 +6626,13 @@
   <p:clrMapOvr>
     <a:masterClrMapping/>
   </p:clrMapOvr>
+  <p:timing>
+    <p:tnLst>
+      <p:par>
+        <p:cTn xmlns:p14="http://schemas.microsoft.com/office/powerpoint/2010/main" id="1" dur="indefinite" restart="never" nodeType="tmRoot"/>
+      </p:par>
+    </p:tnLst>
+  </p:timing>
 </p:sld>
 </file>
 
@@ -6511,15 +6787,7 @@
           <a:p>
             <a:r>
               <a:rPr lang="en-US" sz="2400" dirty="0" err="1" smtClean="0"/>
-              <a:t>Relevantere</a:t>
-            </a:r>
-            <a:r>
-              <a:rPr lang="en-US" sz="2400" dirty="0" smtClean="0"/>
-              <a:t> </a:t>
-            </a:r>
-            <a:r>
-              <a:rPr lang="en-US" sz="2400" dirty="0" err="1" smtClean="0"/>
-              <a:t>klantenanalyse</a:t>
+              <a:t>Sensibilisering</a:t>
             </a:r>
             <a:endParaRPr lang="en-US" sz="2400" dirty="0"/>
           </a:p>
@@ -6548,8 +6816,16 @@
           <a:lstStyle/>
           <a:p>
             <a:r>
-              <a:rPr lang="en-US" sz="2400" dirty="0" err="1" smtClean="0"/>
-              <a:t>Sensibilisering</a:t>
+              <a:rPr lang="en-US" sz="2400" dirty="0" err="1"/>
+              <a:t>Relevantere</a:t>
+            </a:r>
+            <a:r>
+              <a:rPr lang="en-US" sz="2400" dirty="0"/>
+              <a:t> </a:t>
+            </a:r>
+            <a:r>
+              <a:rPr lang="en-US" sz="2400" dirty="0" err="1"/>
+              <a:t>klantenanalyse</a:t>
             </a:r>
             <a:endParaRPr lang="en-US" sz="2400" dirty="0"/>
           </a:p>
@@ -6731,6 +7007,13 @@
   <p:clrMapOvr>
     <a:masterClrMapping/>
   </p:clrMapOvr>
+  <p:timing>
+    <p:tnLst>
+      <p:par>
+        <p:cTn xmlns:p14="http://schemas.microsoft.com/office/powerpoint/2010/main" id="1" dur="indefinite" restart="never" nodeType="tmRoot"/>
+      </p:par>
+    </p:tnLst>
+  </p:timing>
 </p:sld>
 </file>
 
@@ -6751,44 +7034,6 @@
           <a:chExt cx="0" cy="0"/>
         </a:xfrm>
       </p:grpSpPr>
-      <p:sp>
-        <p:nvSpPr>
-          <p:cNvPr id="2" name="Title 1"/>
-          <p:cNvSpPr>
-            <a:spLocks noGrp="1"/>
-          </p:cNvSpPr>
-          <p:nvPr>
-            <p:ph type="title"/>
-          </p:nvPr>
-        </p:nvSpPr>
-        <p:spPr/>
-        <p:txBody>
-          <a:bodyPr/>
-          <a:lstStyle/>
-          <a:p>
-            <a:endParaRPr lang="en-US"/>
-          </a:p>
-        </p:txBody>
-      </p:sp>
-      <p:sp>
-        <p:nvSpPr>
-          <p:cNvPr id="3" name="Content Placeholder 2"/>
-          <p:cNvSpPr>
-            <a:spLocks noGrp="1"/>
-          </p:cNvSpPr>
-          <p:nvPr>
-            <p:ph idx="1"/>
-          </p:nvPr>
-        </p:nvSpPr>
-        <p:spPr/>
-        <p:txBody>
-          <a:bodyPr/>
-          <a:lstStyle/>
-          <a:p>
-            <a:endParaRPr lang="en-US"/>
-          </a:p>
-        </p:txBody>
-      </p:sp>
       <p:pic>
         <p:nvPicPr>
           <p:cNvPr id="4" name="Picture 3" descr="background.jpg"/>
@@ -6819,59 +7064,53 @@
           </a:prstGeom>
         </p:spPr>
       </p:pic>
-      <p:sp>
-        <p:nvSpPr>
-          <p:cNvPr id="5" name="TextBox 4"/>
-          <p:cNvSpPr txBox="1"/>
-          <p:nvPr/>
-        </p:nvSpPr>
-        <p:spPr>
-          <a:xfrm>
-            <a:off x="2451100" y="2744857"/>
-            <a:ext cx="4254500" cy="707886"/>
-          </a:xfrm>
-          <a:prstGeom prst="rect">
-            <a:avLst/>
-          </a:prstGeom>
-          <a:noFill/>
-        </p:spPr>
-        <p:txBody>
-          <a:bodyPr wrap="square" rtlCol="0">
-            <a:spAutoFit/>
-          </a:bodyPr>
-          <a:lstStyle/>
-          <a:p>
-            <a:pPr algn="ctr"/>
-            <a:r>
-              <a:rPr lang="en-US" sz="4000" dirty="0" err="1" smtClean="0">
-                <a:solidFill>
-                  <a:schemeClr val="tx2">
-                    <a:lumMod val="75000"/>
-                  </a:schemeClr>
-                </a:solidFill>
-              </a:rPr>
-              <a:t>Vragen</a:t>
-            </a:r>
-            <a:endParaRPr lang="en-US" sz="4000" dirty="0">
-              <a:solidFill>
-                <a:schemeClr val="tx2">
-                  <a:lumMod val="75000"/>
-                </a:schemeClr>
-              </a:solidFill>
-            </a:endParaRPr>
-          </a:p>
-        </p:txBody>
-      </p:sp>
+      <p:pic>
+        <p:nvPicPr>
+          <p:cNvPr id="5" name="Picture 4" descr="e_received1.png"/>
+          <p:cNvPicPr>
+            <a:picLocks noChangeAspect="1"/>
+          </p:cNvPicPr>
+          <p:nvPr/>
+        </p:nvPicPr>
+        <p:blipFill>
+          <a:blip r:embed="rId3">
+            <a:extLst>
+              <a:ext uri="{28A0092B-C50C-407E-A947-70E740481C1C}">
+                <a14:useLocalDpi xmlns:a14="http://schemas.microsoft.com/office/drawing/2010/main" val="0"/>
+              </a:ext>
+            </a:extLst>
+          </a:blip>
+          <a:stretch>
+            <a:fillRect/>
+          </a:stretch>
+        </p:blipFill>
+        <p:spPr>
+          <a:xfrm>
+            <a:off x="0" y="1616038"/>
+            <a:ext cx="9144000" cy="2762324"/>
+          </a:xfrm>
+          <a:prstGeom prst="rect">
+            <a:avLst/>
+          </a:prstGeom>
+        </p:spPr>
+      </p:pic>
     </p:spTree>
     <p:extLst>
       <p:ext uri="{BB962C8B-B14F-4D97-AF65-F5344CB8AC3E}">
-        <p14:creationId xmlns:p14="http://schemas.microsoft.com/office/powerpoint/2010/main" val="959634849"/>
+        <p14:creationId xmlns:p14="http://schemas.microsoft.com/office/powerpoint/2010/main" val="802693726"/>
       </p:ext>
     </p:extLst>
   </p:cSld>
   <p:clrMapOvr>
     <a:masterClrMapping/>
   </p:clrMapOvr>
+  <p:timing>
+    <p:tnLst>
+      <p:par>
+        <p:cTn xmlns:p14="http://schemas.microsoft.com/office/powerpoint/2010/main" id="1" dur="indefinite" restart="never" nodeType="tmRoot"/>
+      </p:par>
+    </p:tnLst>
+  </p:timing>
 </p:sld>
 </file>
 
